--- a/Concept-Entity Mining.pptx
+++ b/Concept-Entity Mining.pptx
@@ -7,6 +7,8 @@
   <p:sldIdLst>
     <p:sldId id="256" r:id="rId2"/>
     <p:sldId id="257" r:id="rId3"/>
+    <p:sldId id="258" r:id="rId4"/>
+    <p:sldId id="259" r:id="rId5"/>
   </p:sldIdLst>
   <p:sldSz cx="9144000" cy="6858000" type="screen4x3"/>
   <p:notesSz cx="6858000" cy="9144000"/>
@@ -289,7 +291,7 @@
           <a:p>
             <a:fld id="{62CC058B-F75C-438D-9977-937E524E58B6}" type="datetimeFigureOut">
               <a:rPr lang="zh-TW" altLang="en-US" smtClean="0"/>
-              <a:t>2013/9/3</a:t>
+              <a:t>2013/9/4</a:t>
             </a:fld>
             <a:endParaRPr lang="zh-TW" altLang="en-US"/>
           </a:p>
@@ -459,7 +461,7 @@
           <a:p>
             <a:fld id="{62CC058B-F75C-438D-9977-937E524E58B6}" type="datetimeFigureOut">
               <a:rPr lang="zh-TW" altLang="en-US" smtClean="0"/>
-              <a:t>2013/9/3</a:t>
+              <a:t>2013/9/4</a:t>
             </a:fld>
             <a:endParaRPr lang="zh-TW" altLang="en-US"/>
           </a:p>
@@ -639,7 +641,7 @@
           <a:p>
             <a:fld id="{62CC058B-F75C-438D-9977-937E524E58B6}" type="datetimeFigureOut">
               <a:rPr lang="zh-TW" altLang="en-US" smtClean="0"/>
-              <a:t>2013/9/3</a:t>
+              <a:t>2013/9/4</a:t>
             </a:fld>
             <a:endParaRPr lang="zh-TW" altLang="en-US"/>
           </a:p>
@@ -809,7 +811,7 @@
           <a:p>
             <a:fld id="{62CC058B-F75C-438D-9977-937E524E58B6}" type="datetimeFigureOut">
               <a:rPr lang="zh-TW" altLang="en-US" smtClean="0"/>
-              <a:t>2013/9/3</a:t>
+              <a:t>2013/9/4</a:t>
             </a:fld>
             <a:endParaRPr lang="zh-TW" altLang="en-US"/>
           </a:p>
@@ -1055,7 +1057,7 @@
           <a:p>
             <a:fld id="{62CC058B-F75C-438D-9977-937E524E58B6}" type="datetimeFigureOut">
               <a:rPr lang="zh-TW" altLang="en-US" smtClean="0"/>
-              <a:t>2013/9/3</a:t>
+              <a:t>2013/9/4</a:t>
             </a:fld>
             <a:endParaRPr lang="zh-TW" altLang="en-US"/>
           </a:p>
@@ -1343,7 +1345,7 @@
           <a:p>
             <a:fld id="{62CC058B-F75C-438D-9977-937E524E58B6}" type="datetimeFigureOut">
               <a:rPr lang="zh-TW" altLang="en-US" smtClean="0"/>
-              <a:t>2013/9/3</a:t>
+              <a:t>2013/9/4</a:t>
             </a:fld>
             <a:endParaRPr lang="zh-TW" altLang="en-US"/>
           </a:p>
@@ -1765,7 +1767,7 @@
           <a:p>
             <a:fld id="{62CC058B-F75C-438D-9977-937E524E58B6}" type="datetimeFigureOut">
               <a:rPr lang="zh-TW" altLang="en-US" smtClean="0"/>
-              <a:t>2013/9/3</a:t>
+              <a:t>2013/9/4</a:t>
             </a:fld>
             <a:endParaRPr lang="zh-TW" altLang="en-US"/>
           </a:p>
@@ -1883,7 +1885,7 @@
           <a:p>
             <a:fld id="{62CC058B-F75C-438D-9977-937E524E58B6}" type="datetimeFigureOut">
               <a:rPr lang="zh-TW" altLang="en-US" smtClean="0"/>
-              <a:t>2013/9/3</a:t>
+              <a:t>2013/9/4</a:t>
             </a:fld>
             <a:endParaRPr lang="zh-TW" altLang="en-US"/>
           </a:p>
@@ -1978,7 +1980,7 @@
           <a:p>
             <a:fld id="{62CC058B-F75C-438D-9977-937E524E58B6}" type="datetimeFigureOut">
               <a:rPr lang="zh-TW" altLang="en-US" smtClean="0"/>
-              <a:t>2013/9/3</a:t>
+              <a:t>2013/9/4</a:t>
             </a:fld>
             <a:endParaRPr lang="zh-TW" altLang="en-US"/>
           </a:p>
@@ -2255,7 +2257,7 @@
           <a:p>
             <a:fld id="{62CC058B-F75C-438D-9977-937E524E58B6}" type="datetimeFigureOut">
               <a:rPr lang="zh-TW" altLang="en-US" smtClean="0"/>
-              <a:t>2013/9/3</a:t>
+              <a:t>2013/9/4</a:t>
             </a:fld>
             <a:endParaRPr lang="zh-TW" altLang="en-US"/>
           </a:p>
@@ -2508,7 +2510,7 @@
           <a:p>
             <a:fld id="{62CC058B-F75C-438D-9977-937E524E58B6}" type="datetimeFigureOut">
               <a:rPr lang="zh-TW" altLang="en-US" smtClean="0"/>
-              <a:t>2013/9/3</a:t>
+              <a:t>2013/9/4</a:t>
             </a:fld>
             <a:endParaRPr lang="zh-TW" altLang="en-US"/>
           </a:p>
@@ -2721,7 +2723,7 @@
           <a:p>
             <a:fld id="{62CC058B-F75C-438D-9977-937E524E58B6}" type="datetimeFigureOut">
               <a:rPr lang="zh-TW" altLang="en-US" smtClean="0"/>
-              <a:t>2013/9/3</a:t>
+              <a:t>2013/9/4</a:t>
             </a:fld>
             <a:endParaRPr lang="zh-TW" altLang="en-US"/>
           </a:p>
@@ -3692,6 +3694,576 @@
     <p:extLst>
       <p:ext uri="{BB962C8B-B14F-4D97-AF65-F5344CB8AC3E}">
         <p14:creationId xmlns:p14="http://schemas.microsoft.com/office/powerpoint/2010/main" val="4282928748"/>
+      </p:ext>
+    </p:extLst>
+  </p:cSld>
+  <p:clrMapOvr>
+    <a:masterClrMapping/>
+  </p:clrMapOvr>
+</p:sld>
+</file>
+
+<file path=ppt/slides/slide3.xml><?xml version="1.0" encoding="utf-8"?>
+<p:sld xmlns:a="http://schemas.openxmlformats.org/drawingml/2006/main" xmlns:r="http://schemas.openxmlformats.org/officeDocument/2006/relationships" xmlns:p="http://schemas.openxmlformats.org/presentationml/2006/main">
+  <p:cSld>
+    <p:spTree>
+      <p:nvGrpSpPr>
+        <p:cNvPr id="1" name=""/>
+        <p:cNvGrpSpPr/>
+        <p:nvPr/>
+      </p:nvGrpSpPr>
+      <p:grpSpPr>
+        <a:xfrm>
+          <a:off x="0" y="0"/>
+          <a:ext cx="0" cy="0"/>
+          <a:chOff x="0" y="0"/>
+          <a:chExt cx="0" cy="0"/>
+        </a:xfrm>
+      </p:grpSpPr>
+      <p:sp>
+        <p:nvSpPr>
+          <p:cNvPr id="2" name="文字方塊 1"/>
+          <p:cNvSpPr txBox="1"/>
+          <p:nvPr/>
+        </p:nvSpPr>
+        <p:spPr>
+          <a:xfrm>
+            <a:off x="1475656" y="2348880"/>
+            <a:ext cx="8351004" cy="369332"/>
+          </a:xfrm>
+          <a:prstGeom prst="rect">
+            <a:avLst/>
+          </a:prstGeom>
+          <a:noFill/>
+        </p:spPr>
+        <p:txBody>
+          <a:bodyPr wrap="none" rtlCol="0">
+            <a:spAutoFit/>
+          </a:bodyPr>
+          <a:lstStyle/>
+          <a:p>
+            <a:r>
+              <a:rPr lang="en-US" altLang="zh-TW" dirty="0" err="1" smtClean="0"/>
+              <a:t>Pr</a:t>
+            </a:r>
+            <a:r>
+              <a:rPr lang="en-US" altLang="zh-TW" dirty="0" smtClean="0"/>
+              <a:t>(</a:t>
+            </a:r>
+            <a:r>
+              <a:rPr lang="en-US" altLang="zh-TW" dirty="0" err="1" smtClean="0"/>
+              <a:t>TargetEntities</a:t>
+            </a:r>
+            <a:r>
+              <a:rPr lang="en-US" altLang="zh-TW" dirty="0" smtClean="0"/>
+              <a:t> belong to </a:t>
+            </a:r>
+            <a:r>
+              <a:rPr lang="en-US" altLang="zh-TW" dirty="0" err="1" smtClean="0"/>
+              <a:t>AbstractConcepts|baseEntities</a:t>
+            </a:r>
+            <a:r>
+              <a:rPr lang="en-US" altLang="zh-TW" dirty="0" smtClean="0"/>
+              <a:t>, criterion, </a:t>
+            </a:r>
+            <a:r>
+              <a:rPr lang="en-US" altLang="zh-TW" dirty="0" err="1" smtClean="0"/>
+              <a:t>AbstractConcepts</a:t>
+            </a:r>
+            <a:r>
+              <a:rPr lang="en-US" altLang="zh-TW" dirty="0" smtClean="0"/>
+              <a:t>)</a:t>
+            </a:r>
+            <a:endParaRPr lang="zh-TW" altLang="en-US" dirty="0"/>
+          </a:p>
+        </p:txBody>
+      </p:sp>
+      <p:sp>
+        <p:nvSpPr>
+          <p:cNvPr id="3" name="文字方塊 2"/>
+          <p:cNvSpPr txBox="1"/>
+          <p:nvPr/>
+        </p:nvSpPr>
+        <p:spPr>
+          <a:xfrm>
+            <a:off x="1475656" y="1619508"/>
+            <a:ext cx="4319131" cy="369332"/>
+          </a:xfrm>
+          <a:prstGeom prst="rect">
+            <a:avLst/>
+          </a:prstGeom>
+          <a:noFill/>
+        </p:spPr>
+        <p:txBody>
+          <a:bodyPr wrap="none" rtlCol="0">
+            <a:spAutoFit/>
+          </a:bodyPr>
+          <a:lstStyle/>
+          <a:p>
+            <a:r>
+              <a:rPr lang="en-US" altLang="zh-TW" dirty="0" err="1" smtClean="0"/>
+              <a:t>Pr</a:t>
+            </a:r>
+            <a:r>
+              <a:rPr lang="en-US" altLang="zh-TW" dirty="0" smtClean="0"/>
+              <a:t>(</a:t>
+            </a:r>
+            <a:r>
+              <a:rPr lang="en-US" altLang="zh-TW" dirty="0" err="1" smtClean="0"/>
+              <a:t>AbstractConcepts|baseEntities</a:t>
+            </a:r>
+            <a:r>
+              <a:rPr lang="en-US" altLang="zh-TW" dirty="0" smtClean="0"/>
+              <a:t>, criterion)</a:t>
+            </a:r>
+            <a:endParaRPr lang="zh-TW" altLang="en-US" dirty="0"/>
+          </a:p>
+        </p:txBody>
+      </p:sp>
+      <p:sp>
+        <p:nvSpPr>
+          <p:cNvPr id="4" name="文字方塊 3"/>
+          <p:cNvSpPr txBox="1"/>
+          <p:nvPr/>
+        </p:nvSpPr>
+        <p:spPr>
+          <a:xfrm>
+            <a:off x="1475656" y="1259468"/>
+            <a:ext cx="2587760" cy="369332"/>
+          </a:xfrm>
+          <a:prstGeom prst="rect">
+            <a:avLst/>
+          </a:prstGeom>
+          <a:noFill/>
+        </p:spPr>
+        <p:txBody>
+          <a:bodyPr wrap="none" rtlCol="0">
+            <a:spAutoFit/>
+          </a:bodyPr>
+          <a:lstStyle/>
+          <a:p>
+            <a:r>
+              <a:rPr lang="en-US" altLang="zh-TW" dirty="0" err="1" smtClean="0"/>
+              <a:t>Pr</a:t>
+            </a:r>
+            <a:r>
+              <a:rPr lang="en-US" altLang="zh-TW" dirty="0" smtClean="0"/>
+              <a:t>(</a:t>
+            </a:r>
+            <a:r>
+              <a:rPr lang="en-US" altLang="zh-TW" dirty="0" err="1" smtClean="0"/>
+              <a:t>Criterion|baseEntities</a:t>
+            </a:r>
+            <a:r>
+              <a:rPr lang="en-US" altLang="zh-TW" dirty="0" smtClean="0"/>
+              <a:t>)</a:t>
+            </a:r>
+            <a:endParaRPr lang="zh-TW" altLang="en-US" dirty="0"/>
+          </a:p>
+        </p:txBody>
+      </p:sp>
+    </p:spTree>
+    <p:extLst>
+      <p:ext uri="{BB962C8B-B14F-4D97-AF65-F5344CB8AC3E}">
+        <p14:creationId xmlns:p14="http://schemas.microsoft.com/office/powerpoint/2010/main" val="607444118"/>
+      </p:ext>
+    </p:extLst>
+  </p:cSld>
+  <p:clrMapOvr>
+    <a:masterClrMapping/>
+  </p:clrMapOvr>
+</p:sld>
+</file>
+
+<file path=ppt/slides/slide4.xml><?xml version="1.0" encoding="utf-8"?>
+<p:sld xmlns:a="http://schemas.openxmlformats.org/drawingml/2006/main" xmlns:r="http://schemas.openxmlformats.org/officeDocument/2006/relationships" xmlns:p="http://schemas.openxmlformats.org/presentationml/2006/main">
+  <p:cSld>
+    <p:spTree>
+      <p:nvGrpSpPr>
+        <p:cNvPr id="1" name=""/>
+        <p:cNvGrpSpPr/>
+        <p:nvPr/>
+      </p:nvGrpSpPr>
+      <p:grpSpPr>
+        <a:xfrm>
+          <a:off x="0" y="0"/>
+          <a:ext cx="0" cy="0"/>
+          <a:chOff x="0" y="0"/>
+          <a:chExt cx="0" cy="0"/>
+        </a:xfrm>
+      </p:grpSpPr>
+      <p:sp>
+        <p:nvSpPr>
+          <p:cNvPr id="2" name="文字方塊 1"/>
+          <p:cNvSpPr txBox="1"/>
+          <p:nvPr/>
+        </p:nvSpPr>
+        <p:spPr>
+          <a:xfrm>
+            <a:off x="1403648" y="2060848"/>
+            <a:ext cx="2633157" cy="646331"/>
+          </a:xfrm>
+          <a:prstGeom prst="rect">
+            <a:avLst/>
+          </a:prstGeom>
+          <a:noFill/>
+        </p:spPr>
+        <p:txBody>
+          <a:bodyPr wrap="none" rtlCol="0">
+            <a:spAutoFit/>
+          </a:bodyPr>
+          <a:lstStyle/>
+          <a:p>
+            <a:r>
+              <a:rPr lang="en-US" altLang="zh-TW" dirty="0" smtClean="0"/>
+              <a:t>Train </a:t>
+            </a:r>
+            <a:r>
+              <a:rPr lang="en-US" altLang="zh-TW" dirty="0" err="1" smtClean="0"/>
+              <a:t>RealConcept</a:t>
+            </a:r>
+            <a:r>
+              <a:rPr lang="en-US" altLang="zh-TW" dirty="0" smtClean="0"/>
+              <a:t>{</a:t>
+            </a:r>
+          </a:p>
+          <a:p>
+            <a:r>
+              <a:rPr lang="en-US" altLang="zh-TW" dirty="0"/>
+              <a:t> </a:t>
+            </a:r>
+            <a:r>
+              <a:rPr lang="en-US" altLang="zh-TW" dirty="0" smtClean="0"/>
+              <a:t>add entities to a concept}</a:t>
+            </a:r>
+            <a:endParaRPr lang="zh-TW" altLang="en-US" dirty="0"/>
+          </a:p>
+        </p:txBody>
+      </p:sp>
+      <p:sp>
+        <p:nvSpPr>
+          <p:cNvPr id="4" name="文字方塊 3"/>
+          <p:cNvSpPr txBox="1"/>
+          <p:nvPr/>
+        </p:nvSpPr>
+        <p:spPr>
+          <a:xfrm>
+            <a:off x="4932040" y="2067744"/>
+            <a:ext cx="2951001" cy="646331"/>
+          </a:xfrm>
+          <a:prstGeom prst="rect">
+            <a:avLst/>
+          </a:prstGeom>
+          <a:noFill/>
+        </p:spPr>
+        <p:txBody>
+          <a:bodyPr wrap="none" rtlCol="0">
+            <a:spAutoFit/>
+          </a:bodyPr>
+          <a:lstStyle/>
+          <a:p>
+            <a:r>
+              <a:rPr lang="en-US" altLang="zh-TW" dirty="0" smtClean="0"/>
+              <a:t>Find </a:t>
+            </a:r>
+            <a:r>
+              <a:rPr lang="en-US" altLang="zh-TW" dirty="0" err="1" smtClean="0"/>
+              <a:t>RealConcept</a:t>
+            </a:r>
+            <a:r>
+              <a:rPr lang="en-US" altLang="zh-TW" dirty="0" smtClean="0"/>
+              <a:t> by entities{</a:t>
+            </a:r>
+          </a:p>
+          <a:p>
+            <a:r>
+              <a:rPr lang="en-US" altLang="zh-TW" dirty="0" smtClean="0"/>
+              <a:t>Return </a:t>
+            </a:r>
+            <a:r>
+              <a:rPr lang="zh-TW" altLang="en-US" dirty="0" smtClean="0"/>
+              <a:t>最大交集的前幾個</a:t>
+            </a:r>
+            <a:r>
+              <a:rPr lang="en-US" altLang="zh-TW" dirty="0" smtClean="0"/>
+              <a:t>}</a:t>
+            </a:r>
+            <a:endParaRPr lang="zh-TW" altLang="en-US" dirty="0"/>
+          </a:p>
+        </p:txBody>
+      </p:sp>
+      <p:sp>
+        <p:nvSpPr>
+          <p:cNvPr id="5" name="文字方塊 4"/>
+          <p:cNvSpPr txBox="1"/>
+          <p:nvPr/>
+        </p:nvSpPr>
+        <p:spPr>
+          <a:xfrm>
+            <a:off x="1439496" y="2707179"/>
+            <a:ext cx="3356240" cy="923330"/>
+          </a:xfrm>
+          <a:prstGeom prst="rect">
+            <a:avLst/>
+          </a:prstGeom>
+          <a:noFill/>
+        </p:spPr>
+        <p:txBody>
+          <a:bodyPr wrap="none" rtlCol="0">
+            <a:spAutoFit/>
+          </a:bodyPr>
+          <a:lstStyle/>
+          <a:p>
+            <a:r>
+              <a:rPr lang="en-US" altLang="zh-TW" dirty="0" smtClean="0"/>
+              <a:t>Train </a:t>
+            </a:r>
+            <a:r>
+              <a:rPr lang="en-US" altLang="zh-TW" dirty="0" err="1" smtClean="0"/>
+              <a:t>AbstractConcept</a:t>
+            </a:r>
+            <a:r>
+              <a:rPr lang="en-US" altLang="zh-TW" dirty="0" smtClean="0"/>
+              <a:t>{</a:t>
+            </a:r>
+          </a:p>
+          <a:p>
+            <a:r>
+              <a:rPr lang="en-US" altLang="zh-TW" dirty="0" smtClean="0"/>
+              <a:t>Add </a:t>
+            </a:r>
+            <a:r>
+              <a:rPr lang="en-US" altLang="zh-TW" dirty="0" err="1" smtClean="0"/>
+              <a:t>realConcept</a:t>
+            </a:r>
+            <a:r>
+              <a:rPr lang="en-US" altLang="zh-TW" dirty="0" smtClean="0"/>
+              <a:t> Array of entities,</a:t>
+            </a:r>
+          </a:p>
+          <a:p>
+            <a:r>
+              <a:rPr lang="en-US" altLang="zh-TW" dirty="0" smtClean="0"/>
+              <a:t> give criterion}</a:t>
+            </a:r>
+            <a:endParaRPr lang="zh-TW" altLang="en-US" dirty="0"/>
+          </a:p>
+        </p:txBody>
+      </p:sp>
+      <p:sp>
+        <p:nvSpPr>
+          <p:cNvPr id="6" name="文字方塊 5"/>
+          <p:cNvSpPr txBox="1"/>
+          <p:nvPr/>
+        </p:nvSpPr>
+        <p:spPr>
+          <a:xfrm>
+            <a:off x="8532440" y="2323962"/>
+            <a:ext cx="982064" cy="369332"/>
+          </a:xfrm>
+          <a:prstGeom prst="rect">
+            <a:avLst/>
+          </a:prstGeom>
+          <a:noFill/>
+        </p:spPr>
+        <p:txBody>
+          <a:bodyPr wrap="none" rtlCol="0">
+            <a:spAutoFit/>
+          </a:bodyPr>
+          <a:lstStyle/>
+          <a:p>
+            <a:r>
+              <a:rPr lang="en-US" altLang="zh-TW" dirty="0" smtClean="0"/>
+              <a:t>criterion</a:t>
+            </a:r>
+            <a:endParaRPr lang="zh-TW" altLang="en-US" dirty="0"/>
+          </a:p>
+        </p:txBody>
+      </p:sp>
+      <p:sp>
+        <p:nvSpPr>
+          <p:cNvPr id="7" name="文字方塊 6"/>
+          <p:cNvSpPr txBox="1"/>
+          <p:nvPr/>
+        </p:nvSpPr>
+        <p:spPr>
+          <a:xfrm>
+            <a:off x="5084439" y="2806870"/>
+            <a:ext cx="4556825" cy="646331"/>
+          </a:xfrm>
+          <a:prstGeom prst="rect">
+            <a:avLst/>
+          </a:prstGeom>
+          <a:noFill/>
+        </p:spPr>
+        <p:txBody>
+          <a:bodyPr wrap="none" rtlCol="0">
+            <a:spAutoFit/>
+          </a:bodyPr>
+          <a:lstStyle/>
+          <a:p>
+            <a:r>
+              <a:rPr lang="en-US" altLang="zh-TW" dirty="0" smtClean="0"/>
+              <a:t>Find </a:t>
+            </a:r>
+            <a:r>
+              <a:rPr lang="en-US" altLang="zh-TW" dirty="0" err="1" smtClean="0"/>
+              <a:t>AbstractConcept</a:t>
+            </a:r>
+            <a:r>
+              <a:rPr lang="en-US" altLang="zh-TW" dirty="0" smtClean="0"/>
+              <a:t> by entities and criterion{</a:t>
+            </a:r>
+          </a:p>
+          <a:p>
+            <a:r>
+              <a:rPr lang="en-US" altLang="zh-TW" dirty="0" smtClean="0"/>
+              <a:t>Return </a:t>
+            </a:r>
+            <a:r>
+              <a:rPr lang="zh-TW" altLang="en-US" dirty="0" smtClean="0"/>
+              <a:t>最大交集的前幾個</a:t>
+            </a:r>
+            <a:r>
+              <a:rPr lang="en-US" altLang="zh-TW" dirty="0" smtClean="0"/>
+              <a:t>}</a:t>
+            </a:r>
+            <a:endParaRPr lang="zh-TW" altLang="en-US" dirty="0"/>
+          </a:p>
+        </p:txBody>
+      </p:sp>
+      <p:sp>
+        <p:nvSpPr>
+          <p:cNvPr id="8" name="文字方塊 7"/>
+          <p:cNvSpPr txBox="1"/>
+          <p:nvPr/>
+        </p:nvSpPr>
+        <p:spPr>
+          <a:xfrm>
+            <a:off x="4932040" y="3646765"/>
+            <a:ext cx="4984570" cy="646331"/>
+          </a:xfrm>
+          <a:prstGeom prst="rect">
+            <a:avLst/>
+          </a:prstGeom>
+          <a:noFill/>
+        </p:spPr>
+        <p:txBody>
+          <a:bodyPr wrap="none" rtlCol="0">
+            <a:spAutoFit/>
+          </a:bodyPr>
+          <a:lstStyle/>
+          <a:p>
+            <a:r>
+              <a:rPr lang="en-US" altLang="zh-TW" dirty="0" smtClean="0"/>
+              <a:t>Find </a:t>
+            </a:r>
+            <a:r>
+              <a:rPr lang="en-US" altLang="zh-TW" dirty="0" err="1" smtClean="0"/>
+              <a:t>standfor</a:t>
+            </a:r>
+            <a:r>
+              <a:rPr lang="en-US" altLang="zh-TW" dirty="0" smtClean="0"/>
+              <a:t> </a:t>
+            </a:r>
+            <a:r>
+              <a:rPr lang="en-US" altLang="zh-TW" dirty="0" err="1" smtClean="0"/>
+              <a:t>realconcept</a:t>
+            </a:r>
+            <a:r>
+              <a:rPr lang="en-US" altLang="zh-TW" dirty="0" smtClean="0"/>
+              <a:t> Array of </a:t>
+            </a:r>
+            <a:r>
+              <a:rPr lang="en-US" altLang="zh-TW" dirty="0" err="1" smtClean="0"/>
+              <a:t>AbstracConcept</a:t>
+            </a:r>
+            <a:r>
+              <a:rPr lang="en-US" altLang="zh-TW" dirty="0" smtClean="0"/>
+              <a:t>{</a:t>
+            </a:r>
+          </a:p>
+          <a:p>
+            <a:r>
+              <a:rPr lang="en-US" altLang="zh-TW" dirty="0" smtClean="0"/>
+              <a:t>Return </a:t>
+            </a:r>
+            <a:r>
+              <a:rPr lang="zh-TW" altLang="en-US" dirty="0" smtClean="0"/>
+              <a:t>最大交集的前幾個</a:t>
+            </a:r>
+            <a:r>
+              <a:rPr lang="en-US" altLang="zh-TW" smtClean="0"/>
+              <a:t>}</a:t>
+            </a:r>
+            <a:endParaRPr lang="zh-TW" altLang="en-US" dirty="0"/>
+          </a:p>
+        </p:txBody>
+      </p:sp>
+      <p:sp>
+        <p:nvSpPr>
+          <p:cNvPr id="9" name="文字方塊 8"/>
+          <p:cNvSpPr txBox="1"/>
+          <p:nvPr/>
+        </p:nvSpPr>
+        <p:spPr>
+          <a:xfrm>
+            <a:off x="5058503" y="4445496"/>
+            <a:ext cx="4276299" cy="646331"/>
+          </a:xfrm>
+          <a:prstGeom prst="rect">
+            <a:avLst/>
+          </a:prstGeom>
+          <a:noFill/>
+        </p:spPr>
+        <p:txBody>
+          <a:bodyPr wrap="none" rtlCol="0">
+            <a:spAutoFit/>
+          </a:bodyPr>
+          <a:lstStyle/>
+          <a:p>
+            <a:r>
+              <a:rPr lang="en-US" altLang="zh-TW" dirty="0" smtClean="0"/>
+              <a:t>Find </a:t>
+            </a:r>
+            <a:r>
+              <a:rPr lang="en-US" altLang="zh-TW" dirty="0" err="1" smtClean="0"/>
+              <a:t>standfor</a:t>
+            </a:r>
+            <a:r>
+              <a:rPr lang="en-US" altLang="zh-TW" dirty="0" smtClean="0"/>
+              <a:t> entities Array of </a:t>
+            </a:r>
+            <a:r>
+              <a:rPr lang="en-US" altLang="zh-TW" dirty="0" err="1" smtClean="0"/>
+              <a:t>RealConcept</a:t>
+            </a:r>
+            <a:r>
+              <a:rPr lang="en-US" altLang="zh-TW" dirty="0" smtClean="0"/>
+              <a:t>{</a:t>
+            </a:r>
+          </a:p>
+          <a:p>
+            <a:r>
+              <a:rPr lang="en-US" altLang="zh-TW" dirty="0" smtClean="0"/>
+              <a:t>Return </a:t>
+            </a:r>
+            <a:r>
+              <a:rPr lang="zh-TW" altLang="en-US" dirty="0" smtClean="0"/>
+              <a:t>最大交集的前幾個</a:t>
+            </a:r>
+            <a:r>
+              <a:rPr lang="en-US" altLang="zh-TW" dirty="0" smtClean="0"/>
+              <a:t>}</a:t>
+            </a:r>
+            <a:endParaRPr lang="zh-TW" altLang="en-US" dirty="0"/>
+          </a:p>
+        </p:txBody>
+      </p:sp>
+    </p:spTree>
+    <p:extLst>
+      <p:ext uri="{BB962C8B-B14F-4D97-AF65-F5344CB8AC3E}">
+        <p14:creationId xmlns:p14="http://schemas.microsoft.com/office/powerpoint/2010/main" val="2398684819"/>
       </p:ext>
     </p:extLst>
   </p:cSld>

--- a/Concept-Entity Mining.pptx
+++ b/Concept-Entity Mining.pptx
@@ -5,10 +5,8 @@
     <p:sldMasterId id="2147483648" r:id="rId1"/>
   </p:sldMasterIdLst>
   <p:sldIdLst>
-    <p:sldId id="256" r:id="rId2"/>
-    <p:sldId id="257" r:id="rId3"/>
-    <p:sldId id="258" r:id="rId4"/>
-    <p:sldId id="259" r:id="rId5"/>
+    <p:sldId id="257" r:id="rId2"/>
+    <p:sldId id="258" r:id="rId3"/>
   </p:sldIdLst>
   <p:sldSz cx="9144000" cy="6858000" type="screen4x3"/>
   <p:notesSz cx="6858000" cy="9144000"/>
@@ -3100,74 +3098,6 @@
       </p:grpSpPr>
       <p:sp>
         <p:nvSpPr>
-          <p:cNvPr id="2" name="標題 1"/>
-          <p:cNvSpPr>
-            <a:spLocks noGrp="1"/>
-          </p:cNvSpPr>
-          <p:nvPr>
-            <p:ph type="ctrTitle"/>
-          </p:nvPr>
-        </p:nvSpPr>
-        <p:spPr/>
-        <p:txBody>
-          <a:bodyPr/>
-          <a:lstStyle/>
-          <a:p>
-            <a:endParaRPr lang="zh-TW" altLang="en-US"/>
-          </a:p>
-        </p:txBody>
-      </p:sp>
-      <p:sp>
-        <p:nvSpPr>
-          <p:cNvPr id="3" name="副標題 2"/>
-          <p:cNvSpPr>
-            <a:spLocks noGrp="1"/>
-          </p:cNvSpPr>
-          <p:nvPr>
-            <p:ph type="subTitle" idx="1"/>
-          </p:nvPr>
-        </p:nvSpPr>
-        <p:spPr/>
-        <p:txBody>
-          <a:bodyPr/>
-          <a:lstStyle/>
-          <a:p>
-            <a:endParaRPr lang="zh-TW" altLang="en-US"/>
-          </a:p>
-        </p:txBody>
-      </p:sp>
-    </p:spTree>
-    <p:extLst>
-      <p:ext uri="{BB962C8B-B14F-4D97-AF65-F5344CB8AC3E}">
-        <p14:creationId xmlns:p14="http://schemas.microsoft.com/office/powerpoint/2010/main" val="4257810357"/>
-      </p:ext>
-    </p:extLst>
-  </p:cSld>
-  <p:clrMapOvr>
-    <a:masterClrMapping/>
-  </p:clrMapOvr>
-</p:sld>
-</file>
-
-<file path=ppt/slides/slide2.xml><?xml version="1.0" encoding="utf-8"?>
-<p:sld xmlns:a="http://schemas.openxmlformats.org/drawingml/2006/main" xmlns:r="http://schemas.openxmlformats.org/officeDocument/2006/relationships" xmlns:p="http://schemas.openxmlformats.org/presentationml/2006/main">
-  <p:cSld>
-    <p:spTree>
-      <p:nvGrpSpPr>
-        <p:cNvPr id="1" name=""/>
-        <p:cNvGrpSpPr/>
-        <p:nvPr/>
-      </p:nvGrpSpPr>
-      <p:grpSpPr>
-        <a:xfrm>
-          <a:off x="0" y="0"/>
-          <a:ext cx="0" cy="0"/>
-          <a:chOff x="0" y="0"/>
-          <a:chExt cx="0" cy="0"/>
-        </a:xfrm>
-      </p:grpSpPr>
-      <p:sp>
-        <p:nvSpPr>
           <p:cNvPr id="4" name="雲朵形 3"/>
           <p:cNvSpPr/>
           <p:nvPr/>
@@ -3669,7 +3599,7 @@
         <p:spPr>
           <a:xfrm>
             <a:off x="715988" y="1849914"/>
-            <a:ext cx="3188630" cy="369332"/>
+            <a:ext cx="1536062" cy="369332"/>
           </a:xfrm>
           <a:prstGeom prst="rect">
             <a:avLst/>
@@ -3684,12 +3614,121 @@
           <a:p>
             <a:r>
               <a:rPr lang="en-US" altLang="zh-TW" dirty="0" smtClean="0"/>
-              <a:t>When given Entity1 and Entity 2</a:t>
+              <a:t>given criterion</a:t>
             </a:r>
             <a:endParaRPr lang="zh-TW" altLang="en-US" dirty="0"/>
           </a:p>
         </p:txBody>
       </p:sp>
+      <p:grpSp>
+        <p:nvGrpSpPr>
+          <p:cNvPr id="12" name="群組 11"/>
+          <p:cNvGrpSpPr/>
+          <p:nvPr/>
+        </p:nvGrpSpPr>
+        <p:grpSpPr>
+          <a:xfrm>
+            <a:off x="7452320" y="908720"/>
+            <a:ext cx="576064" cy="5034318"/>
+            <a:chOff x="-756592" y="908720"/>
+            <a:chExt cx="576064" cy="5034318"/>
+          </a:xfrm>
+        </p:grpSpPr>
+        <p:cxnSp>
+          <p:nvCxnSpPr>
+            <p:cNvPr id="3" name="直線單箭頭接點 2"/>
+            <p:cNvCxnSpPr/>
+            <p:nvPr/>
+          </p:nvCxnSpPr>
+          <p:spPr>
+            <a:xfrm flipV="1">
+              <a:off x="-756592" y="980728"/>
+              <a:ext cx="0" cy="4824536"/>
+            </a:xfrm>
+            <a:prstGeom prst="straightConnector1">
+              <a:avLst/>
+            </a:prstGeom>
+            <a:ln>
+              <a:solidFill>
+                <a:schemeClr val="tx1"/>
+              </a:solidFill>
+              <a:tailEnd type="arrow"/>
+            </a:ln>
+          </p:spPr>
+          <p:style>
+            <a:lnRef idx="1">
+              <a:schemeClr val="accent1"/>
+            </a:lnRef>
+            <a:fillRef idx="0">
+              <a:schemeClr val="accent1"/>
+            </a:fillRef>
+            <a:effectRef idx="0">
+              <a:schemeClr val="accent1"/>
+            </a:effectRef>
+            <a:fontRef idx="minor">
+              <a:schemeClr val="tx1"/>
+            </a:fontRef>
+          </p:style>
+        </p:cxnSp>
+        <p:sp>
+          <p:nvSpPr>
+            <p:cNvPr id="8" name="文字方塊 7"/>
+            <p:cNvSpPr txBox="1"/>
+            <p:nvPr/>
+          </p:nvSpPr>
+          <p:spPr>
+            <a:xfrm>
+              <a:off x="-596026" y="5573706"/>
+              <a:ext cx="415498" cy="369332"/>
+            </a:xfrm>
+            <a:prstGeom prst="rect">
+              <a:avLst/>
+            </a:prstGeom>
+            <a:noFill/>
+          </p:spPr>
+          <p:txBody>
+            <a:bodyPr wrap="none" rtlCol="0">
+              <a:spAutoFit/>
+            </a:bodyPr>
+            <a:lstStyle/>
+            <a:p>
+              <a:r>
+                <a:rPr lang="zh-TW" altLang="en-US" dirty="0" smtClean="0"/>
+                <a:t>因</a:t>
+              </a:r>
+              <a:endParaRPr lang="zh-TW" altLang="en-US" dirty="0"/>
+            </a:p>
+          </p:txBody>
+        </p:sp>
+        <p:sp>
+          <p:nvSpPr>
+            <p:cNvPr id="11" name="矩形 10"/>
+            <p:cNvSpPr/>
+            <p:nvPr/>
+          </p:nvSpPr>
+          <p:spPr>
+            <a:xfrm>
+              <a:off x="-596026" y="908720"/>
+              <a:ext cx="415498" cy="369332"/>
+            </a:xfrm>
+            <a:prstGeom prst="rect">
+              <a:avLst/>
+            </a:prstGeom>
+          </p:spPr>
+          <p:txBody>
+            <a:bodyPr wrap="none">
+              <a:spAutoFit/>
+            </a:bodyPr>
+            <a:lstStyle/>
+            <a:p>
+              <a:r>
+                <a:rPr lang="zh-TW" altLang="en-US" dirty="0"/>
+                <a:t>果</a:t>
+              </a:r>
+            </a:p>
+          </p:txBody>
+        </p:sp>
+      </p:grpSp>
     </p:spTree>
     <p:extLst>
       <p:ext uri="{BB962C8B-B14F-4D97-AF65-F5344CB8AC3E}">
@@ -3703,7 +3742,7 @@
 </p:sld>
 </file>
 
-<file path=ppt/slides/slide3.xml><?xml version="1.0" encoding="utf-8"?>
+<file path=ppt/slides/slide2.xml><?xml version="1.0" encoding="utf-8"?>
 <p:sld xmlns:a="http://schemas.openxmlformats.org/drawingml/2006/main" xmlns:r="http://schemas.openxmlformats.org/officeDocument/2006/relationships" xmlns:p="http://schemas.openxmlformats.org/presentationml/2006/main">
   <p:cSld>
     <p:spTree>
@@ -3728,8 +3767,8 @@
         </p:nvSpPr>
         <p:spPr>
           <a:xfrm>
-            <a:off x="1475656" y="2348880"/>
-            <a:ext cx="8351004" cy="369332"/>
+            <a:off x="1403648" y="980728"/>
+            <a:ext cx="3099759" cy="369332"/>
           </a:xfrm>
           <a:prstGeom prst="rect">
             <a:avLst/>
@@ -3752,23 +3791,7 @@
             </a:r>
             <a:r>
               <a:rPr lang="en-US" altLang="zh-TW" dirty="0" err="1" smtClean="0"/>
-              <a:t>TargetEntities</a:t>
-            </a:r>
-            <a:r>
-              <a:rPr lang="en-US" altLang="zh-TW" dirty="0" smtClean="0"/>
-              <a:t> belong to </a:t>
-            </a:r>
-            <a:r>
-              <a:rPr lang="en-US" altLang="zh-TW" dirty="0" err="1" smtClean="0"/>
-              <a:t>AbstractConcepts|baseEntities</a:t>
-            </a:r>
-            <a:r>
-              <a:rPr lang="en-US" altLang="zh-TW" dirty="0" smtClean="0"/>
-              <a:t>, criterion, </a:t>
-            </a:r>
-            <a:r>
-              <a:rPr lang="en-US" altLang="zh-TW" dirty="0" err="1" smtClean="0"/>
-              <a:t>AbstractConcepts</a:t>
+              <a:t>AbstractConcept|criterion</a:t>
             </a:r>
             <a:r>
               <a:rPr lang="en-US" altLang="zh-TW" dirty="0" smtClean="0"/>
@@ -3786,8 +3809,8 @@
         </p:nvSpPr>
         <p:spPr>
           <a:xfrm>
-            <a:off x="1475656" y="1619508"/>
-            <a:ext cx="4319131" cy="369332"/>
+            <a:off x="1537023" y="1366620"/>
+            <a:ext cx="3725507" cy="369332"/>
           </a:xfrm>
           <a:prstGeom prst="rect">
             <a:avLst/>
@@ -3810,49 +3833,15 @@
             </a:r>
             <a:r>
               <a:rPr lang="en-US" altLang="zh-TW" dirty="0" err="1" smtClean="0"/>
-              <a:t>AbstractConcepts|baseEntities</a:t>
+              <a:t>AbstractConcept|criterion</a:t>
             </a:r>
             <a:r>
               <a:rPr lang="en-US" altLang="zh-TW" dirty="0" smtClean="0"/>
-              <a:t>, criterion)</a:t>
-            </a:r>
-            <a:endParaRPr lang="zh-TW" altLang="en-US" dirty="0"/>
-          </a:p>
-        </p:txBody>
-      </p:sp>
-      <p:sp>
-        <p:nvSpPr>
-          <p:cNvPr id="4" name="文字方塊 3"/>
-          <p:cNvSpPr txBox="1"/>
-          <p:nvPr/>
-        </p:nvSpPr>
-        <p:spPr>
-          <a:xfrm>
-            <a:off x="1475656" y="1259468"/>
-            <a:ext cx="2587760" cy="369332"/>
-          </a:xfrm>
-          <a:prstGeom prst="rect">
-            <a:avLst/>
-          </a:prstGeom>
-          <a:noFill/>
-        </p:spPr>
-        <p:txBody>
-          <a:bodyPr wrap="none" rtlCol="0">
-            <a:spAutoFit/>
-          </a:bodyPr>
-          <a:lstStyle/>
-          <a:p>
+              <a:t>=</a:t>
+            </a:r>
             <a:r>
               <a:rPr lang="en-US" altLang="zh-TW" dirty="0" err="1" smtClean="0"/>
-              <a:t>Pr</a:t>
-            </a:r>
-            <a:r>
-              <a:rPr lang="en-US" altLang="zh-TW" dirty="0" smtClean="0"/>
-              <a:t>(</a:t>
-            </a:r>
-            <a:r>
-              <a:rPr lang="en-US" altLang="zh-TW" dirty="0" err="1" smtClean="0"/>
-              <a:t>Criterion|baseEntities</a:t>
+              <a:t>rought</a:t>
             </a:r>
             <a:r>
               <a:rPr lang="en-US" altLang="zh-TW" dirty="0" smtClean="0"/>
@@ -3865,405 +3854,7 @@
     </p:spTree>
     <p:extLst>
       <p:ext uri="{BB962C8B-B14F-4D97-AF65-F5344CB8AC3E}">
-        <p14:creationId xmlns:p14="http://schemas.microsoft.com/office/powerpoint/2010/main" val="607444118"/>
-      </p:ext>
-    </p:extLst>
-  </p:cSld>
-  <p:clrMapOvr>
-    <a:masterClrMapping/>
-  </p:clrMapOvr>
-</p:sld>
-</file>
-
-<file path=ppt/slides/slide4.xml><?xml version="1.0" encoding="utf-8"?>
-<p:sld xmlns:a="http://schemas.openxmlformats.org/drawingml/2006/main" xmlns:r="http://schemas.openxmlformats.org/officeDocument/2006/relationships" xmlns:p="http://schemas.openxmlformats.org/presentationml/2006/main">
-  <p:cSld>
-    <p:spTree>
-      <p:nvGrpSpPr>
-        <p:cNvPr id="1" name=""/>
-        <p:cNvGrpSpPr/>
-        <p:nvPr/>
-      </p:nvGrpSpPr>
-      <p:grpSpPr>
-        <a:xfrm>
-          <a:off x="0" y="0"/>
-          <a:ext cx="0" cy="0"/>
-          <a:chOff x="0" y="0"/>
-          <a:chExt cx="0" cy="0"/>
-        </a:xfrm>
-      </p:grpSpPr>
-      <p:sp>
-        <p:nvSpPr>
-          <p:cNvPr id="2" name="文字方塊 1"/>
-          <p:cNvSpPr txBox="1"/>
-          <p:nvPr/>
-        </p:nvSpPr>
-        <p:spPr>
-          <a:xfrm>
-            <a:off x="1403648" y="2060848"/>
-            <a:ext cx="2633157" cy="646331"/>
-          </a:xfrm>
-          <a:prstGeom prst="rect">
-            <a:avLst/>
-          </a:prstGeom>
-          <a:noFill/>
-        </p:spPr>
-        <p:txBody>
-          <a:bodyPr wrap="none" rtlCol="0">
-            <a:spAutoFit/>
-          </a:bodyPr>
-          <a:lstStyle/>
-          <a:p>
-            <a:r>
-              <a:rPr lang="en-US" altLang="zh-TW" dirty="0" smtClean="0"/>
-              <a:t>Train </a:t>
-            </a:r>
-            <a:r>
-              <a:rPr lang="en-US" altLang="zh-TW" dirty="0" err="1" smtClean="0"/>
-              <a:t>RealConcept</a:t>
-            </a:r>
-            <a:r>
-              <a:rPr lang="en-US" altLang="zh-TW" dirty="0" smtClean="0"/>
-              <a:t>{</a:t>
-            </a:r>
-          </a:p>
-          <a:p>
-            <a:r>
-              <a:rPr lang="en-US" altLang="zh-TW" dirty="0"/>
-              <a:t> </a:t>
-            </a:r>
-            <a:r>
-              <a:rPr lang="en-US" altLang="zh-TW" dirty="0" smtClean="0"/>
-              <a:t>add entities to a concept}</a:t>
-            </a:r>
-            <a:endParaRPr lang="zh-TW" altLang="en-US" dirty="0"/>
-          </a:p>
-        </p:txBody>
-      </p:sp>
-      <p:sp>
-        <p:nvSpPr>
-          <p:cNvPr id="4" name="文字方塊 3"/>
-          <p:cNvSpPr txBox="1"/>
-          <p:nvPr/>
-        </p:nvSpPr>
-        <p:spPr>
-          <a:xfrm>
-            <a:off x="4932040" y="2067744"/>
-            <a:ext cx="2951001" cy="646331"/>
-          </a:xfrm>
-          <a:prstGeom prst="rect">
-            <a:avLst/>
-          </a:prstGeom>
-          <a:noFill/>
-        </p:spPr>
-        <p:txBody>
-          <a:bodyPr wrap="none" rtlCol="0">
-            <a:spAutoFit/>
-          </a:bodyPr>
-          <a:lstStyle/>
-          <a:p>
-            <a:r>
-              <a:rPr lang="en-US" altLang="zh-TW" dirty="0" smtClean="0"/>
-              <a:t>Find </a:t>
-            </a:r>
-            <a:r>
-              <a:rPr lang="en-US" altLang="zh-TW" dirty="0" err="1" smtClean="0"/>
-              <a:t>RealConcept</a:t>
-            </a:r>
-            <a:r>
-              <a:rPr lang="en-US" altLang="zh-TW" dirty="0" smtClean="0"/>
-              <a:t> by entities{</a:t>
-            </a:r>
-          </a:p>
-          <a:p>
-            <a:r>
-              <a:rPr lang="en-US" altLang="zh-TW" dirty="0" smtClean="0"/>
-              <a:t>Return </a:t>
-            </a:r>
-            <a:r>
-              <a:rPr lang="zh-TW" altLang="en-US" dirty="0" smtClean="0"/>
-              <a:t>最大交集的前幾個</a:t>
-            </a:r>
-            <a:r>
-              <a:rPr lang="en-US" altLang="zh-TW" dirty="0" smtClean="0"/>
-              <a:t>}</a:t>
-            </a:r>
-            <a:endParaRPr lang="zh-TW" altLang="en-US" dirty="0"/>
-          </a:p>
-        </p:txBody>
-      </p:sp>
-      <p:sp>
-        <p:nvSpPr>
-          <p:cNvPr id="5" name="文字方塊 4"/>
-          <p:cNvSpPr txBox="1"/>
-          <p:nvPr/>
-        </p:nvSpPr>
-        <p:spPr>
-          <a:xfrm>
-            <a:off x="1439496" y="2707179"/>
-            <a:ext cx="3356240" cy="923330"/>
-          </a:xfrm>
-          <a:prstGeom prst="rect">
-            <a:avLst/>
-          </a:prstGeom>
-          <a:noFill/>
-        </p:spPr>
-        <p:txBody>
-          <a:bodyPr wrap="none" rtlCol="0">
-            <a:spAutoFit/>
-          </a:bodyPr>
-          <a:lstStyle/>
-          <a:p>
-            <a:r>
-              <a:rPr lang="en-US" altLang="zh-TW" dirty="0" smtClean="0"/>
-              <a:t>Train </a:t>
-            </a:r>
-            <a:r>
-              <a:rPr lang="en-US" altLang="zh-TW" dirty="0" err="1" smtClean="0"/>
-              <a:t>AbstractConcept</a:t>
-            </a:r>
-            <a:r>
-              <a:rPr lang="en-US" altLang="zh-TW" dirty="0" smtClean="0"/>
-              <a:t>{</a:t>
-            </a:r>
-          </a:p>
-          <a:p>
-            <a:r>
-              <a:rPr lang="en-US" altLang="zh-TW" dirty="0" smtClean="0"/>
-              <a:t>Add </a:t>
-            </a:r>
-            <a:r>
-              <a:rPr lang="en-US" altLang="zh-TW" dirty="0" err="1" smtClean="0"/>
-              <a:t>realConcept</a:t>
-            </a:r>
-            <a:r>
-              <a:rPr lang="en-US" altLang="zh-TW" dirty="0" smtClean="0"/>
-              <a:t> Array of entities,</a:t>
-            </a:r>
-          </a:p>
-          <a:p>
-            <a:r>
-              <a:rPr lang="en-US" altLang="zh-TW" dirty="0" smtClean="0"/>
-              <a:t> give criterion}</a:t>
-            </a:r>
-            <a:endParaRPr lang="zh-TW" altLang="en-US" dirty="0"/>
-          </a:p>
-        </p:txBody>
-      </p:sp>
-      <p:sp>
-        <p:nvSpPr>
-          <p:cNvPr id="6" name="文字方塊 5"/>
-          <p:cNvSpPr txBox="1"/>
-          <p:nvPr/>
-        </p:nvSpPr>
-        <p:spPr>
-          <a:xfrm>
-            <a:off x="8532440" y="2323962"/>
-            <a:ext cx="982064" cy="369332"/>
-          </a:xfrm>
-          <a:prstGeom prst="rect">
-            <a:avLst/>
-          </a:prstGeom>
-          <a:noFill/>
-        </p:spPr>
-        <p:txBody>
-          <a:bodyPr wrap="none" rtlCol="0">
-            <a:spAutoFit/>
-          </a:bodyPr>
-          <a:lstStyle/>
-          <a:p>
-            <a:r>
-              <a:rPr lang="en-US" altLang="zh-TW" dirty="0" smtClean="0"/>
-              <a:t>criterion</a:t>
-            </a:r>
-            <a:endParaRPr lang="zh-TW" altLang="en-US" dirty="0"/>
-          </a:p>
-        </p:txBody>
-      </p:sp>
-      <p:sp>
-        <p:nvSpPr>
-          <p:cNvPr id="7" name="文字方塊 6"/>
-          <p:cNvSpPr txBox="1"/>
-          <p:nvPr/>
-        </p:nvSpPr>
-        <p:spPr>
-          <a:xfrm>
-            <a:off x="5084439" y="2806870"/>
-            <a:ext cx="4556825" cy="646331"/>
-          </a:xfrm>
-          <a:prstGeom prst="rect">
-            <a:avLst/>
-          </a:prstGeom>
-          <a:noFill/>
-        </p:spPr>
-        <p:txBody>
-          <a:bodyPr wrap="none" rtlCol="0">
-            <a:spAutoFit/>
-          </a:bodyPr>
-          <a:lstStyle/>
-          <a:p>
-            <a:r>
-              <a:rPr lang="en-US" altLang="zh-TW" dirty="0" smtClean="0"/>
-              <a:t>Find </a:t>
-            </a:r>
-            <a:r>
-              <a:rPr lang="en-US" altLang="zh-TW" dirty="0" err="1" smtClean="0"/>
-              <a:t>AbstractConcept</a:t>
-            </a:r>
-            <a:r>
-              <a:rPr lang="en-US" altLang="zh-TW" dirty="0" smtClean="0"/>
-              <a:t> by entities and criterion{</a:t>
-            </a:r>
-          </a:p>
-          <a:p>
-            <a:r>
-              <a:rPr lang="en-US" altLang="zh-TW" dirty="0" smtClean="0"/>
-              <a:t>Return </a:t>
-            </a:r>
-            <a:r>
-              <a:rPr lang="zh-TW" altLang="en-US" dirty="0" smtClean="0"/>
-              <a:t>最大交集的前幾個</a:t>
-            </a:r>
-            <a:r>
-              <a:rPr lang="en-US" altLang="zh-TW" dirty="0" smtClean="0"/>
-              <a:t>}</a:t>
-            </a:r>
-            <a:endParaRPr lang="zh-TW" altLang="en-US" dirty="0"/>
-          </a:p>
-        </p:txBody>
-      </p:sp>
-      <p:sp>
-        <p:nvSpPr>
-          <p:cNvPr id="8" name="文字方塊 7"/>
-          <p:cNvSpPr txBox="1"/>
-          <p:nvPr/>
-        </p:nvSpPr>
-        <p:spPr>
-          <a:xfrm>
-            <a:off x="4932040" y="3646765"/>
-            <a:ext cx="4984570" cy="646331"/>
-          </a:xfrm>
-          <a:prstGeom prst="rect">
-            <a:avLst/>
-          </a:prstGeom>
-          <a:noFill/>
-        </p:spPr>
-        <p:txBody>
-          <a:bodyPr wrap="none" rtlCol="0">
-            <a:spAutoFit/>
-          </a:bodyPr>
-          <a:lstStyle/>
-          <a:p>
-            <a:r>
-              <a:rPr lang="en-US" altLang="zh-TW" dirty="0" smtClean="0"/>
-              <a:t>Find </a:t>
-            </a:r>
-            <a:r>
-              <a:rPr lang="en-US" altLang="zh-TW" dirty="0" err="1" smtClean="0"/>
-              <a:t>standfor</a:t>
-            </a:r>
-            <a:r>
-              <a:rPr lang="en-US" altLang="zh-TW" dirty="0" smtClean="0"/>
-              <a:t> </a:t>
-            </a:r>
-            <a:r>
-              <a:rPr lang="en-US" altLang="zh-TW" dirty="0" err="1" smtClean="0"/>
-              <a:t>realconcept</a:t>
-            </a:r>
-            <a:r>
-              <a:rPr lang="en-US" altLang="zh-TW" dirty="0" smtClean="0"/>
-              <a:t> Array of </a:t>
-            </a:r>
-            <a:r>
-              <a:rPr lang="en-US" altLang="zh-TW" dirty="0" err="1" smtClean="0"/>
-              <a:t>AbstracConcept</a:t>
-            </a:r>
-            <a:r>
-              <a:rPr lang="en-US" altLang="zh-TW" dirty="0" smtClean="0"/>
-              <a:t>{</a:t>
-            </a:r>
-          </a:p>
-          <a:p>
-            <a:r>
-              <a:rPr lang="en-US" altLang="zh-TW" dirty="0" smtClean="0"/>
-              <a:t>Return </a:t>
-            </a:r>
-            <a:r>
-              <a:rPr lang="zh-TW" altLang="en-US" dirty="0" smtClean="0"/>
-              <a:t>最大交集的前幾個</a:t>
-            </a:r>
-            <a:r>
-              <a:rPr lang="en-US" altLang="zh-TW" smtClean="0"/>
-              <a:t>}</a:t>
-            </a:r>
-            <a:endParaRPr lang="zh-TW" altLang="en-US" dirty="0"/>
-          </a:p>
-        </p:txBody>
-      </p:sp>
-      <p:sp>
-        <p:nvSpPr>
-          <p:cNvPr id="9" name="文字方塊 8"/>
-          <p:cNvSpPr txBox="1"/>
-          <p:nvPr/>
-        </p:nvSpPr>
-        <p:spPr>
-          <a:xfrm>
-            <a:off x="5058503" y="4445496"/>
-            <a:ext cx="4276299" cy="646331"/>
-          </a:xfrm>
-          <a:prstGeom prst="rect">
-            <a:avLst/>
-          </a:prstGeom>
-          <a:noFill/>
-        </p:spPr>
-        <p:txBody>
-          <a:bodyPr wrap="none" rtlCol="0">
-            <a:spAutoFit/>
-          </a:bodyPr>
-          <a:lstStyle/>
-          <a:p>
-            <a:r>
-              <a:rPr lang="en-US" altLang="zh-TW" dirty="0" smtClean="0"/>
-              <a:t>Find </a:t>
-            </a:r>
-            <a:r>
-              <a:rPr lang="en-US" altLang="zh-TW" dirty="0" err="1" smtClean="0"/>
-              <a:t>standfor</a:t>
-            </a:r>
-            <a:r>
-              <a:rPr lang="en-US" altLang="zh-TW" dirty="0" smtClean="0"/>
-              <a:t> entities Array of </a:t>
-            </a:r>
-            <a:r>
-              <a:rPr lang="en-US" altLang="zh-TW" dirty="0" err="1" smtClean="0"/>
-              <a:t>RealConcept</a:t>
-            </a:r>
-            <a:r>
-              <a:rPr lang="en-US" altLang="zh-TW" dirty="0" smtClean="0"/>
-              <a:t>{</a:t>
-            </a:r>
-          </a:p>
-          <a:p>
-            <a:r>
-              <a:rPr lang="en-US" altLang="zh-TW" dirty="0" smtClean="0"/>
-              <a:t>Return </a:t>
-            </a:r>
-            <a:r>
-              <a:rPr lang="zh-TW" altLang="en-US" dirty="0" smtClean="0"/>
-              <a:t>最大交集的前幾個</a:t>
-            </a:r>
-            <a:r>
-              <a:rPr lang="en-US" altLang="zh-TW" dirty="0" smtClean="0"/>
-              <a:t>}</a:t>
-            </a:r>
-            <a:endParaRPr lang="zh-TW" altLang="en-US" dirty="0"/>
-          </a:p>
-        </p:txBody>
-      </p:sp>
-    </p:spTree>
-    <p:extLst>
-      <p:ext uri="{BB962C8B-B14F-4D97-AF65-F5344CB8AC3E}">
-        <p14:creationId xmlns:p14="http://schemas.microsoft.com/office/powerpoint/2010/main" val="2398684819"/>
+        <p14:creationId xmlns:p14="http://schemas.microsoft.com/office/powerpoint/2010/main" val="1864098322"/>
       </p:ext>
     </p:extLst>
   </p:cSld>
